--- a/Presentation/Arduino.pptx
+++ b/Presentation/Arduino.pptx
@@ -261,7 +261,7 @@
           <a:p>
             <a:fld id="{11C42D62-B4BC-4CE2-89AC-56729230BC20}" type="datetimeFigureOut">
               <a:rPr lang="es-419" smtClean="0"/>
-              <a:t>24/7/2022</a:t>
+              <a:t>8/9/2022</a:t>
             </a:fld>
             <a:endParaRPr lang="es-419"/>
           </a:p>
@@ -461,7 +461,7 @@
           <a:p>
             <a:fld id="{11C42D62-B4BC-4CE2-89AC-56729230BC20}" type="datetimeFigureOut">
               <a:rPr lang="es-419" smtClean="0"/>
-              <a:t>24/7/2022</a:t>
+              <a:t>8/9/2022</a:t>
             </a:fld>
             <a:endParaRPr lang="es-419"/>
           </a:p>
@@ -671,7 +671,7 @@
           <a:p>
             <a:fld id="{11C42D62-B4BC-4CE2-89AC-56729230BC20}" type="datetimeFigureOut">
               <a:rPr lang="es-419" smtClean="0"/>
-              <a:t>24/7/2022</a:t>
+              <a:t>8/9/2022</a:t>
             </a:fld>
             <a:endParaRPr lang="es-419"/>
           </a:p>
@@ -871,7 +871,7 @@
           <a:p>
             <a:fld id="{11C42D62-B4BC-4CE2-89AC-56729230BC20}" type="datetimeFigureOut">
               <a:rPr lang="es-419" smtClean="0"/>
-              <a:t>24/7/2022</a:t>
+              <a:t>8/9/2022</a:t>
             </a:fld>
             <a:endParaRPr lang="es-419"/>
           </a:p>
@@ -1147,7 +1147,7 @@
           <a:p>
             <a:fld id="{11C42D62-B4BC-4CE2-89AC-56729230BC20}" type="datetimeFigureOut">
               <a:rPr lang="es-419" smtClean="0"/>
-              <a:t>24/7/2022</a:t>
+              <a:t>8/9/2022</a:t>
             </a:fld>
             <a:endParaRPr lang="es-419"/>
           </a:p>
@@ -1415,7 +1415,7 @@
           <a:p>
             <a:fld id="{11C42D62-B4BC-4CE2-89AC-56729230BC20}" type="datetimeFigureOut">
               <a:rPr lang="es-419" smtClean="0"/>
-              <a:t>24/7/2022</a:t>
+              <a:t>8/9/2022</a:t>
             </a:fld>
             <a:endParaRPr lang="es-419"/>
           </a:p>
@@ -1830,7 +1830,7 @@
           <a:p>
             <a:fld id="{11C42D62-B4BC-4CE2-89AC-56729230BC20}" type="datetimeFigureOut">
               <a:rPr lang="es-419" smtClean="0"/>
-              <a:t>24/7/2022</a:t>
+              <a:t>8/9/2022</a:t>
             </a:fld>
             <a:endParaRPr lang="es-419"/>
           </a:p>
@@ -1972,7 +1972,7 @@
           <a:p>
             <a:fld id="{11C42D62-B4BC-4CE2-89AC-56729230BC20}" type="datetimeFigureOut">
               <a:rPr lang="es-419" smtClean="0"/>
-              <a:t>24/7/2022</a:t>
+              <a:t>8/9/2022</a:t>
             </a:fld>
             <a:endParaRPr lang="es-419"/>
           </a:p>
@@ -2085,7 +2085,7 @@
           <a:p>
             <a:fld id="{11C42D62-B4BC-4CE2-89AC-56729230BC20}" type="datetimeFigureOut">
               <a:rPr lang="es-419" smtClean="0"/>
-              <a:t>24/7/2022</a:t>
+              <a:t>8/9/2022</a:t>
             </a:fld>
             <a:endParaRPr lang="es-419"/>
           </a:p>
@@ -2398,7 +2398,7 @@
           <a:p>
             <a:fld id="{11C42D62-B4BC-4CE2-89AC-56729230BC20}" type="datetimeFigureOut">
               <a:rPr lang="es-419" smtClean="0"/>
-              <a:t>24/7/2022</a:t>
+              <a:t>8/9/2022</a:t>
             </a:fld>
             <a:endParaRPr lang="es-419"/>
           </a:p>
@@ -2687,7 +2687,7 @@
           <a:p>
             <a:fld id="{11C42D62-B4BC-4CE2-89AC-56729230BC20}" type="datetimeFigureOut">
               <a:rPr lang="es-419" smtClean="0"/>
-              <a:t>24/7/2022</a:t>
+              <a:t>8/9/2022</a:t>
             </a:fld>
             <a:endParaRPr lang="es-419"/>
           </a:p>
@@ -2930,7 +2930,7 @@
           <a:p>
             <a:fld id="{11C42D62-B4BC-4CE2-89AC-56729230BC20}" type="datetimeFigureOut">
               <a:rPr lang="es-419" smtClean="0"/>
-              <a:t>24/7/2022</a:t>
+              <a:t>8/9/2022</a:t>
             </a:fld>
             <a:endParaRPr lang="es-419"/>
           </a:p>
@@ -3889,7 +3889,7 @@
         </p:nvSpPr>
         <p:spPr>
           <a:xfrm>
-            <a:off x="6850109" y="2830208"/>
+            <a:off x="4628051" y="4758996"/>
             <a:ext cx="731268" cy="215444"/>
           </a:xfrm>
           <a:prstGeom prst="rect">
@@ -3963,7 +3963,7 @@
         </p:nvSpPr>
         <p:spPr>
           <a:xfrm>
-            <a:off x="6853687" y="2626353"/>
+            <a:off x="4650843" y="4547333"/>
             <a:ext cx="731268" cy="215444"/>
           </a:xfrm>
           <a:prstGeom prst="rect">
@@ -4491,6 +4491,122 @@
                 </a:effectLst>
               </a:rPr>
               <a:t>StandBy</a:t>
+            </a:r>
+            <a:endParaRPr lang="es-ES" sz="900" b="0" cap="none" spc="0" dirty="0">
+              <a:ln w="0"/>
+              <a:solidFill>
+                <a:schemeClr val="tx1"/>
+              </a:solidFill>
+              <a:effectLst>
+                <a:outerShdw blurRad="38100" dist="19050" dir="2700000" algn="tl" rotWithShape="0">
+                  <a:schemeClr val="dk1">
+                    <a:alpha val="40000"/>
+                  </a:schemeClr>
+                </a:outerShdw>
+              </a:effectLst>
+            </a:endParaRPr>
+          </a:p>
+        </p:txBody>
+      </p:sp>
+      <p:sp>
+        <p:nvSpPr>
+          <p:cNvPr id="2" name="Rectángulo 1">
+            <a:extLst>
+              <a:ext uri="{FF2B5EF4-FFF2-40B4-BE49-F238E27FC236}">
+                <a16:creationId xmlns:a16="http://schemas.microsoft.com/office/drawing/2014/main" id="{CCB43A52-BC4B-CF4D-A19D-F1A49B5980F2}"/>
+              </a:ext>
+            </a:extLst>
+          </p:cNvPr>
+          <p:cNvSpPr/>
+          <p:nvPr/>
+        </p:nvSpPr>
+        <p:spPr>
+          <a:xfrm>
+            <a:off x="6894400" y="2831021"/>
+            <a:ext cx="597102" cy="215444"/>
+          </a:xfrm>
+          <a:prstGeom prst="rect">
+            <a:avLst/>
+          </a:prstGeom>
+          <a:noFill/>
+        </p:spPr>
+        <p:txBody>
+          <a:bodyPr wrap="square" lIns="91440" tIns="45720" rIns="91440" bIns="45720">
+            <a:spAutoFit/>
+          </a:bodyPr>
+          <a:lstStyle/>
+          <a:p>
+            <a:pPr algn="ctr"/>
+            <a:r>
+              <a:rPr lang="es-ES" sz="800" dirty="0">
+                <a:ln w="0"/>
+                <a:effectLst>
+                  <a:outerShdw blurRad="38100" dist="19050" dir="2700000" algn="tl" rotWithShape="0">
+                    <a:schemeClr val="dk1">
+                      <a:alpha val="40000"/>
+                    </a:schemeClr>
+                  </a:outerShdw>
+                </a:effectLst>
+              </a:rPr>
+              <a:t>QTR8A-7</a:t>
+            </a:r>
+            <a:endParaRPr lang="es-ES" sz="900" b="0" cap="none" spc="0" dirty="0">
+              <a:ln w="0"/>
+              <a:solidFill>
+                <a:schemeClr val="tx1"/>
+              </a:solidFill>
+              <a:effectLst>
+                <a:outerShdw blurRad="38100" dist="19050" dir="2700000" algn="tl" rotWithShape="0">
+                  <a:schemeClr val="dk1">
+                    <a:alpha val="40000"/>
+                  </a:schemeClr>
+                </a:outerShdw>
+              </a:effectLst>
+            </a:endParaRPr>
+          </a:p>
+        </p:txBody>
+      </p:sp>
+      <p:sp>
+        <p:nvSpPr>
+          <p:cNvPr id="24" name="Rectángulo 23">
+            <a:extLst>
+              <a:ext uri="{FF2B5EF4-FFF2-40B4-BE49-F238E27FC236}">
+                <a16:creationId xmlns:a16="http://schemas.microsoft.com/office/drawing/2014/main" id="{F669BCA0-4BF1-9FD4-2670-49645B5114C1}"/>
+              </a:ext>
+            </a:extLst>
+          </p:cNvPr>
+          <p:cNvSpPr/>
+          <p:nvPr/>
+        </p:nvSpPr>
+        <p:spPr>
+          <a:xfrm>
+            <a:off x="6917192" y="2622927"/>
+            <a:ext cx="597102" cy="215444"/>
+          </a:xfrm>
+          <a:prstGeom prst="rect">
+            <a:avLst/>
+          </a:prstGeom>
+          <a:noFill/>
+        </p:spPr>
+        <p:txBody>
+          <a:bodyPr wrap="square" lIns="91440" tIns="45720" rIns="91440" bIns="45720">
+            <a:spAutoFit/>
+          </a:bodyPr>
+          <a:lstStyle/>
+          <a:p>
+            <a:pPr algn="ctr"/>
+            <a:r>
+              <a:rPr lang="es-ES" sz="800" dirty="0">
+                <a:ln w="0"/>
+                <a:effectLst>
+                  <a:outerShdw blurRad="38100" dist="19050" dir="2700000" algn="tl" rotWithShape="0">
+                    <a:schemeClr val="dk1">
+                      <a:alpha val="40000"/>
+                    </a:schemeClr>
+                  </a:outerShdw>
+                </a:effectLst>
+              </a:rPr>
+              <a:t>QTR8A-8</a:t>
             </a:r>
             <a:endParaRPr lang="es-ES" sz="900" b="0" cap="none" spc="0" dirty="0">
               <a:ln w="0"/>
